--- a/marketing/LinkedIn-01.pptx
+++ b/marketing/LinkedIn-01.pptx
@@ -3108,18 +3108,56 @@
       </p:grpSpPr>
       <p:sp>
         <p:nvSpPr>
+          <p:cNvPr id="82" name="Google Shape;82;p16"/>
+          <p:cNvSpPr txBox="1">
+            <a:spLocks noGrp="1"/>
+          </p:cNvSpPr>
+          <p:nvPr>
+            <p:ph type="sldNum" idx="12"/>
+          </p:nvPr>
+        </p:nvSpPr>
+        <p:spPr>
+          <a:prstGeom prst="rect">
+            <a:avLst/>
+          </a:prstGeom>
+        </p:spPr>
+        <p:txBody>
+          <a:bodyPr spcFirstLastPara="1" wrap="square" lIns="91425" tIns="91425" rIns="91425" bIns="91425" anchor="b" anchorCtr="0">
+            <a:noAutofit/>
+          </a:bodyPr>
+          <a:lstStyle/>
+          <a:p>
+            <a:pPr marL="0" lvl="0" indent="0" algn="ctr" rtl="0">
+              <a:spcBef>
+                <a:spcPts val="0"/>
+              </a:spcBef>
+              <a:spcAft>
+                <a:spcPts val="0"/>
+              </a:spcAft>
+              <a:buNone/>
+            </a:pPr>
+            <a:fld id="{00000000-1234-1234-1234-123412341234}" type="slidenum">
+              <a:rPr lang="en"/>
+              <a:t>2</a:t>
+            </a:fld>
+            <a:endParaRPr/>
+          </a:p>
+        </p:txBody>
+      </p:sp>
+      <p:sp>
+        <p:nvSpPr>
           <p:cNvPr id="81" name="Google Shape;81;p16"/>
           <p:cNvSpPr txBox="1">
             <a:spLocks noGrp="1"/>
           </p:cNvSpPr>
           <p:nvPr>
-            <p:ph type="body" idx="1"/>
+            <p:ph type="body" idx="4294967295"/>
           </p:nvPr>
         </p:nvSpPr>
         <p:spPr>
           <a:xfrm>
-            <a:off x="1659150" y="2161800"/>
-            <a:ext cx="5825700" cy="819900"/>
+            <a:off x="1658937" y="1995198"/>
+            <a:ext cx="5826125" cy="819150"/>
           </a:xfrm>
           <a:prstGeom prst="rect">
             <a:avLst/>
@@ -3157,7 +3195,7 @@
             </a:pPr>
             <a:r>
               <a:rPr lang="en" dirty="0"/>
-              <a:t>meaning to clean up…</a:t>
+              <a:t>meaning to clean up?</a:t>
             </a:r>
           </a:p>
           <a:p>
@@ -3171,48 +3209,6 @@
               <a:buNone/>
             </a:pPr>
             <a:endParaRPr lang="en" dirty="0"/>
-          </a:p>
-        </p:txBody>
-      </p:sp>
-      <p:sp>
-        <p:nvSpPr>
-          <p:cNvPr id="82" name="Google Shape;82;p16"/>
-          <p:cNvSpPr txBox="1">
-            <a:spLocks noGrp="1"/>
-          </p:cNvSpPr>
-          <p:nvPr>
-            <p:ph type="sldNum" idx="12"/>
-          </p:nvPr>
-        </p:nvSpPr>
-        <p:spPr>
-          <a:xfrm>
-            <a:off x="4297650" y="4419838"/>
-            <a:ext cx="548700" cy="393600"/>
-          </a:xfrm>
-          <a:prstGeom prst="rect">
-            <a:avLst/>
-          </a:prstGeom>
-        </p:spPr>
-        <p:txBody>
-          <a:bodyPr spcFirstLastPara="1" wrap="square" lIns="91425" tIns="91425" rIns="91425" bIns="91425" anchor="b" anchorCtr="0">
-            <a:noAutofit/>
-          </a:bodyPr>
-          <a:lstStyle/>
-          <a:p>
-            <a:pPr marL="0" lvl="0" indent="0" algn="ctr" rtl="0">
-              <a:spcBef>
-                <a:spcPts val="0"/>
-              </a:spcBef>
-              <a:spcAft>
-                <a:spcPts val="0"/>
-              </a:spcAft>
-              <a:buNone/>
-            </a:pPr>
-            <a:fld id="{00000000-1234-1234-1234-123412341234}" type="slidenum">
-              <a:rPr lang="en"/>
-              <a:t>2</a:t>
-            </a:fld>
-            <a:endParaRPr/>
           </a:p>
         </p:txBody>
       </p:sp>
